--- a/ppt 16-9/1145.有一福地.pptx
+++ b/ppt 16-9/1145.有一福地.pptx
@@ -129,7 +129,7 @@
           <p:cNvPr id="2" name="标题 1">
             <a:extLst>
               <a:ext uri="{FF2B5EF4-FFF2-40B4-BE49-F238E27FC236}">
-                <a16:creationId xmlns:a16="http://schemas.microsoft.com/office/drawing/2014/main" id="{637E9CFF-1A09-4DF1-91A2-FA3228DFB027}"/>
+                <a16:creationId xmlns:a16="http://schemas.microsoft.com/office/drawing/2014/main" id="{E790B9AE-D5A7-2662-4485-0283AF262EAE}"/>
               </a:ext>
             </a:extLst>
           </p:cNvPr>
@@ -166,7 +166,7 @@
           <p:cNvPr id="3" name="副标题 2">
             <a:extLst>
               <a:ext uri="{FF2B5EF4-FFF2-40B4-BE49-F238E27FC236}">
-                <a16:creationId xmlns:a16="http://schemas.microsoft.com/office/drawing/2014/main" id="{D260F312-4B14-A0F2-B68C-37BD223C44CF}"/>
+                <a16:creationId xmlns:a16="http://schemas.microsoft.com/office/drawing/2014/main" id="{5DD51411-6BDD-848C-E8D9-E7D6B43E0DAB}"/>
               </a:ext>
             </a:extLst>
           </p:cNvPr>
@@ -236,7 +236,7 @@
           <p:cNvPr id="4" name="日期占位符 3">
             <a:extLst>
               <a:ext uri="{FF2B5EF4-FFF2-40B4-BE49-F238E27FC236}">
-                <a16:creationId xmlns:a16="http://schemas.microsoft.com/office/drawing/2014/main" id="{68B151EE-3100-4815-94F1-9AE6EF5D345C}"/>
+                <a16:creationId xmlns:a16="http://schemas.microsoft.com/office/drawing/2014/main" id="{7BB71D7F-5370-C8BB-9857-343C811C026A}"/>
               </a:ext>
             </a:extLst>
           </p:cNvPr>
@@ -252,7 +252,7 @@
           <a:bodyPr/>
           <a:lstStyle/>
           <a:p>
-            <a:fld id="{72A87439-892F-4355-83A1-4FFACD8DA8AC}" type="datetimeFigureOut">
+            <a:fld id="{CA2BE180-1E12-47F1-89AA-7B64A66BA93D}" type="datetimeFigureOut">
               <a:rPr lang="zh-CN" altLang="en-US" smtClean="0"/>
               <a:t>2024/3/10</a:t>
             </a:fld>
@@ -265,7 +265,7 @@
           <p:cNvPr id="5" name="页脚占位符 4">
             <a:extLst>
               <a:ext uri="{FF2B5EF4-FFF2-40B4-BE49-F238E27FC236}">
-                <a16:creationId xmlns:a16="http://schemas.microsoft.com/office/drawing/2014/main" id="{A7B9449A-78E5-F6E5-402D-7623B604B5B5}"/>
+                <a16:creationId xmlns:a16="http://schemas.microsoft.com/office/drawing/2014/main" id="{809BBE98-6A97-EF2B-4CBA-B3DC273240AD}"/>
               </a:ext>
             </a:extLst>
           </p:cNvPr>
@@ -290,7 +290,7 @@
           <p:cNvPr id="6" name="灯片编号占位符 5">
             <a:extLst>
               <a:ext uri="{FF2B5EF4-FFF2-40B4-BE49-F238E27FC236}">
-                <a16:creationId xmlns:a16="http://schemas.microsoft.com/office/drawing/2014/main" id="{B0D92E43-103A-1747-1D87-14A2F1487654}"/>
+                <a16:creationId xmlns:a16="http://schemas.microsoft.com/office/drawing/2014/main" id="{61B24D24-0428-C7CF-791F-53DB69CBEB64}"/>
               </a:ext>
             </a:extLst>
           </p:cNvPr>
@@ -306,7 +306,7 @@
           <a:bodyPr/>
           <a:lstStyle/>
           <a:p>
-            <a:fld id="{3C7E9C0B-0441-4C32-8D1B-CA29305F53EE}" type="slidenum">
+            <a:fld id="{02FA2452-18CC-4BE7-A54B-EAF0082CE116}" type="slidenum">
               <a:rPr lang="zh-CN" altLang="en-US" smtClean="0"/>
               <a:t>‹#›</a:t>
             </a:fld>
@@ -317,7 +317,7 @@
     </p:spTree>
     <p:extLst>
       <p:ext uri="{BB962C8B-B14F-4D97-AF65-F5344CB8AC3E}">
-        <p14:creationId xmlns:p14="http://schemas.microsoft.com/office/powerpoint/2010/main" val="1892100633"/>
+        <p14:creationId xmlns:p14="http://schemas.microsoft.com/office/powerpoint/2010/main" val="1638573733"/>
       </p:ext>
     </p:extLst>
   </p:cSld>
@@ -349,7 +349,7 @@
           <p:cNvPr id="2" name="标题 1">
             <a:extLst>
               <a:ext uri="{FF2B5EF4-FFF2-40B4-BE49-F238E27FC236}">
-                <a16:creationId xmlns:a16="http://schemas.microsoft.com/office/drawing/2014/main" id="{7B19C0D2-83F3-661D-E0EB-4EF8CC779B3F}"/>
+                <a16:creationId xmlns:a16="http://schemas.microsoft.com/office/drawing/2014/main" id="{8FEFA65D-EAF4-1DBA-C21A-652F7DC2120C}"/>
               </a:ext>
             </a:extLst>
           </p:cNvPr>
@@ -377,7 +377,7 @@
           <p:cNvPr id="3" name="竖排文字占位符 2">
             <a:extLst>
               <a:ext uri="{FF2B5EF4-FFF2-40B4-BE49-F238E27FC236}">
-                <a16:creationId xmlns:a16="http://schemas.microsoft.com/office/drawing/2014/main" id="{B912C394-3503-2C71-9B3E-C241D42B5786}"/>
+                <a16:creationId xmlns:a16="http://schemas.microsoft.com/office/drawing/2014/main" id="{7EF2B749-1436-DD6C-8E2C-0ECA887A88B5}"/>
               </a:ext>
             </a:extLst>
           </p:cNvPr>
@@ -434,7 +434,7 @@
           <p:cNvPr id="4" name="日期占位符 3">
             <a:extLst>
               <a:ext uri="{FF2B5EF4-FFF2-40B4-BE49-F238E27FC236}">
-                <a16:creationId xmlns:a16="http://schemas.microsoft.com/office/drawing/2014/main" id="{27965290-E0B5-E664-1F7A-3311E33619BC}"/>
+                <a16:creationId xmlns:a16="http://schemas.microsoft.com/office/drawing/2014/main" id="{CC48FE6F-0741-EDB2-46F3-8E4A30073E13}"/>
               </a:ext>
             </a:extLst>
           </p:cNvPr>
@@ -450,7 +450,7 @@
           <a:bodyPr/>
           <a:lstStyle/>
           <a:p>
-            <a:fld id="{72A87439-892F-4355-83A1-4FFACD8DA8AC}" type="datetimeFigureOut">
+            <a:fld id="{CA2BE180-1E12-47F1-89AA-7B64A66BA93D}" type="datetimeFigureOut">
               <a:rPr lang="zh-CN" altLang="en-US" smtClean="0"/>
               <a:t>2024/3/10</a:t>
             </a:fld>
@@ -463,7 +463,7 @@
           <p:cNvPr id="5" name="页脚占位符 4">
             <a:extLst>
               <a:ext uri="{FF2B5EF4-FFF2-40B4-BE49-F238E27FC236}">
-                <a16:creationId xmlns:a16="http://schemas.microsoft.com/office/drawing/2014/main" id="{07A4430B-6E5B-E501-3F19-95A331C6270B}"/>
+                <a16:creationId xmlns:a16="http://schemas.microsoft.com/office/drawing/2014/main" id="{BFA7D838-08FB-DA55-C8D5-8750B8AD2DB4}"/>
               </a:ext>
             </a:extLst>
           </p:cNvPr>
@@ -488,7 +488,7 @@
           <p:cNvPr id="6" name="灯片编号占位符 5">
             <a:extLst>
               <a:ext uri="{FF2B5EF4-FFF2-40B4-BE49-F238E27FC236}">
-                <a16:creationId xmlns:a16="http://schemas.microsoft.com/office/drawing/2014/main" id="{AB58CB09-8E8A-80C0-6AD8-6C48A32F0623}"/>
+                <a16:creationId xmlns:a16="http://schemas.microsoft.com/office/drawing/2014/main" id="{F37F9056-039E-8411-16C4-557D719EC4E4}"/>
               </a:ext>
             </a:extLst>
           </p:cNvPr>
@@ -504,7 +504,7 @@
           <a:bodyPr/>
           <a:lstStyle/>
           <a:p>
-            <a:fld id="{3C7E9C0B-0441-4C32-8D1B-CA29305F53EE}" type="slidenum">
+            <a:fld id="{02FA2452-18CC-4BE7-A54B-EAF0082CE116}" type="slidenum">
               <a:rPr lang="zh-CN" altLang="en-US" smtClean="0"/>
               <a:t>‹#›</a:t>
             </a:fld>
@@ -515,7 +515,7 @@
     </p:spTree>
     <p:extLst>
       <p:ext uri="{BB962C8B-B14F-4D97-AF65-F5344CB8AC3E}">
-        <p14:creationId xmlns:p14="http://schemas.microsoft.com/office/powerpoint/2010/main" val="1388297158"/>
+        <p14:creationId xmlns:p14="http://schemas.microsoft.com/office/powerpoint/2010/main" val="3451314892"/>
       </p:ext>
     </p:extLst>
   </p:cSld>
@@ -547,7 +547,7 @@
           <p:cNvPr id="2" name="竖排标题 1">
             <a:extLst>
               <a:ext uri="{FF2B5EF4-FFF2-40B4-BE49-F238E27FC236}">
-                <a16:creationId xmlns:a16="http://schemas.microsoft.com/office/drawing/2014/main" id="{E71672DA-6BDA-56AB-F022-F91A71A15637}"/>
+                <a16:creationId xmlns:a16="http://schemas.microsoft.com/office/drawing/2014/main" id="{0E1FDF36-9E9F-F87E-8EAC-DE2EB3C1FB3D}"/>
               </a:ext>
             </a:extLst>
           </p:cNvPr>
@@ -580,7 +580,7 @@
           <p:cNvPr id="3" name="竖排文字占位符 2">
             <a:extLst>
               <a:ext uri="{FF2B5EF4-FFF2-40B4-BE49-F238E27FC236}">
-                <a16:creationId xmlns:a16="http://schemas.microsoft.com/office/drawing/2014/main" id="{F366F8E3-91E8-9F42-CAFA-778718E92389}"/>
+                <a16:creationId xmlns:a16="http://schemas.microsoft.com/office/drawing/2014/main" id="{9A107D16-979D-B027-8994-8D9E5517EE1A}"/>
               </a:ext>
             </a:extLst>
           </p:cNvPr>
@@ -642,7 +642,7 @@
           <p:cNvPr id="4" name="日期占位符 3">
             <a:extLst>
               <a:ext uri="{FF2B5EF4-FFF2-40B4-BE49-F238E27FC236}">
-                <a16:creationId xmlns:a16="http://schemas.microsoft.com/office/drawing/2014/main" id="{1A0A35D6-5406-2FF5-B6AA-973C2BE11278}"/>
+                <a16:creationId xmlns:a16="http://schemas.microsoft.com/office/drawing/2014/main" id="{B708D67C-A908-8807-4DC4-736C45274A73}"/>
               </a:ext>
             </a:extLst>
           </p:cNvPr>
@@ -658,7 +658,7 @@
           <a:bodyPr/>
           <a:lstStyle/>
           <a:p>
-            <a:fld id="{72A87439-892F-4355-83A1-4FFACD8DA8AC}" type="datetimeFigureOut">
+            <a:fld id="{CA2BE180-1E12-47F1-89AA-7B64A66BA93D}" type="datetimeFigureOut">
               <a:rPr lang="zh-CN" altLang="en-US" smtClean="0"/>
               <a:t>2024/3/10</a:t>
             </a:fld>
@@ -671,7 +671,7 @@
           <p:cNvPr id="5" name="页脚占位符 4">
             <a:extLst>
               <a:ext uri="{FF2B5EF4-FFF2-40B4-BE49-F238E27FC236}">
-                <a16:creationId xmlns:a16="http://schemas.microsoft.com/office/drawing/2014/main" id="{C46D90F0-8FF9-D99D-78F7-120A34539C38}"/>
+                <a16:creationId xmlns:a16="http://schemas.microsoft.com/office/drawing/2014/main" id="{37A43AA3-A93D-5569-4F32-1151940C978C}"/>
               </a:ext>
             </a:extLst>
           </p:cNvPr>
@@ -696,7 +696,7 @@
           <p:cNvPr id="6" name="灯片编号占位符 5">
             <a:extLst>
               <a:ext uri="{FF2B5EF4-FFF2-40B4-BE49-F238E27FC236}">
-                <a16:creationId xmlns:a16="http://schemas.microsoft.com/office/drawing/2014/main" id="{A450731A-B611-F2D9-32C5-78BA8B66EAAD}"/>
+                <a16:creationId xmlns:a16="http://schemas.microsoft.com/office/drawing/2014/main" id="{F2A2C3FD-5979-B013-A39D-1CC3C59C338B}"/>
               </a:ext>
             </a:extLst>
           </p:cNvPr>
@@ -712,7 +712,7 @@
           <a:bodyPr/>
           <a:lstStyle/>
           <a:p>
-            <a:fld id="{3C7E9C0B-0441-4C32-8D1B-CA29305F53EE}" type="slidenum">
+            <a:fld id="{02FA2452-18CC-4BE7-A54B-EAF0082CE116}" type="slidenum">
               <a:rPr lang="zh-CN" altLang="en-US" smtClean="0"/>
               <a:t>‹#›</a:t>
             </a:fld>
@@ -723,7 +723,7 @@
     </p:spTree>
     <p:extLst>
       <p:ext uri="{BB962C8B-B14F-4D97-AF65-F5344CB8AC3E}">
-        <p14:creationId xmlns:p14="http://schemas.microsoft.com/office/powerpoint/2010/main" val="1054155823"/>
+        <p14:creationId xmlns:p14="http://schemas.microsoft.com/office/powerpoint/2010/main" val="1689540158"/>
       </p:ext>
     </p:extLst>
   </p:cSld>
@@ -755,7 +755,7 @@
           <p:cNvPr id="2" name="标题 1">
             <a:extLst>
               <a:ext uri="{FF2B5EF4-FFF2-40B4-BE49-F238E27FC236}">
-                <a16:creationId xmlns:a16="http://schemas.microsoft.com/office/drawing/2014/main" id="{89379973-4504-AD69-B17B-63FF480FF22D}"/>
+                <a16:creationId xmlns:a16="http://schemas.microsoft.com/office/drawing/2014/main" id="{27A150BA-7740-1515-5B8D-47B6119465E2}"/>
               </a:ext>
             </a:extLst>
           </p:cNvPr>
@@ -783,7 +783,7 @@
           <p:cNvPr id="3" name="内容占位符 2">
             <a:extLst>
               <a:ext uri="{FF2B5EF4-FFF2-40B4-BE49-F238E27FC236}">
-                <a16:creationId xmlns:a16="http://schemas.microsoft.com/office/drawing/2014/main" id="{7560423B-A217-283F-B2E4-278E4B0E1070}"/>
+                <a16:creationId xmlns:a16="http://schemas.microsoft.com/office/drawing/2014/main" id="{E2C1E542-6240-5DB7-AB28-65409DADD440}"/>
               </a:ext>
             </a:extLst>
           </p:cNvPr>
@@ -840,7 +840,7 @@
           <p:cNvPr id="4" name="日期占位符 3">
             <a:extLst>
               <a:ext uri="{FF2B5EF4-FFF2-40B4-BE49-F238E27FC236}">
-                <a16:creationId xmlns:a16="http://schemas.microsoft.com/office/drawing/2014/main" id="{C193AFF7-E192-F931-FD13-FBE738C9EDFD}"/>
+                <a16:creationId xmlns:a16="http://schemas.microsoft.com/office/drawing/2014/main" id="{CF7A7251-7889-DF77-0138-4004882A514C}"/>
               </a:ext>
             </a:extLst>
           </p:cNvPr>
@@ -856,7 +856,7 @@
           <a:bodyPr/>
           <a:lstStyle/>
           <a:p>
-            <a:fld id="{72A87439-892F-4355-83A1-4FFACD8DA8AC}" type="datetimeFigureOut">
+            <a:fld id="{CA2BE180-1E12-47F1-89AA-7B64A66BA93D}" type="datetimeFigureOut">
               <a:rPr lang="zh-CN" altLang="en-US" smtClean="0"/>
               <a:t>2024/3/10</a:t>
             </a:fld>
@@ -869,7 +869,7 @@
           <p:cNvPr id="5" name="页脚占位符 4">
             <a:extLst>
               <a:ext uri="{FF2B5EF4-FFF2-40B4-BE49-F238E27FC236}">
-                <a16:creationId xmlns:a16="http://schemas.microsoft.com/office/drawing/2014/main" id="{BC62279D-9929-35E4-4A44-E7D6C33E2676}"/>
+                <a16:creationId xmlns:a16="http://schemas.microsoft.com/office/drawing/2014/main" id="{31E3BB4B-005D-64E9-CEBF-880D4FDF642D}"/>
               </a:ext>
             </a:extLst>
           </p:cNvPr>
@@ -894,7 +894,7 @@
           <p:cNvPr id="6" name="灯片编号占位符 5">
             <a:extLst>
               <a:ext uri="{FF2B5EF4-FFF2-40B4-BE49-F238E27FC236}">
-                <a16:creationId xmlns:a16="http://schemas.microsoft.com/office/drawing/2014/main" id="{3585DDF9-F881-3ABF-5B77-C72680299418}"/>
+                <a16:creationId xmlns:a16="http://schemas.microsoft.com/office/drawing/2014/main" id="{8B325FAA-F32E-8BA9-6C0D-CCBA014E5276}"/>
               </a:ext>
             </a:extLst>
           </p:cNvPr>
@@ -910,7 +910,7 @@
           <a:bodyPr/>
           <a:lstStyle/>
           <a:p>
-            <a:fld id="{3C7E9C0B-0441-4C32-8D1B-CA29305F53EE}" type="slidenum">
+            <a:fld id="{02FA2452-18CC-4BE7-A54B-EAF0082CE116}" type="slidenum">
               <a:rPr lang="zh-CN" altLang="en-US" smtClean="0"/>
               <a:t>‹#›</a:t>
             </a:fld>
@@ -921,7 +921,7 @@
     </p:spTree>
     <p:extLst>
       <p:ext uri="{BB962C8B-B14F-4D97-AF65-F5344CB8AC3E}">
-        <p14:creationId xmlns:p14="http://schemas.microsoft.com/office/powerpoint/2010/main" val="2057370966"/>
+        <p14:creationId xmlns:p14="http://schemas.microsoft.com/office/powerpoint/2010/main" val="4075701126"/>
       </p:ext>
     </p:extLst>
   </p:cSld>
@@ -953,7 +953,7 @@
           <p:cNvPr id="2" name="标题 1">
             <a:extLst>
               <a:ext uri="{FF2B5EF4-FFF2-40B4-BE49-F238E27FC236}">
-                <a16:creationId xmlns:a16="http://schemas.microsoft.com/office/drawing/2014/main" id="{C5B816C5-660D-F8C4-1AF6-D08F2E04D04F}"/>
+                <a16:creationId xmlns:a16="http://schemas.microsoft.com/office/drawing/2014/main" id="{AA595870-4B4C-0430-AEEA-8116A30117C8}"/>
               </a:ext>
             </a:extLst>
           </p:cNvPr>
@@ -990,7 +990,7 @@
           <p:cNvPr id="3" name="文本占位符 2">
             <a:extLst>
               <a:ext uri="{FF2B5EF4-FFF2-40B4-BE49-F238E27FC236}">
-                <a16:creationId xmlns:a16="http://schemas.microsoft.com/office/drawing/2014/main" id="{A54152EB-C1FC-7534-DC89-712C555A4267}"/>
+                <a16:creationId xmlns:a16="http://schemas.microsoft.com/office/drawing/2014/main" id="{4F0ABC76-6375-41BA-D313-59F17D07DD43}"/>
               </a:ext>
             </a:extLst>
           </p:cNvPr>
@@ -1115,7 +1115,7 @@
           <p:cNvPr id="4" name="日期占位符 3">
             <a:extLst>
               <a:ext uri="{FF2B5EF4-FFF2-40B4-BE49-F238E27FC236}">
-                <a16:creationId xmlns:a16="http://schemas.microsoft.com/office/drawing/2014/main" id="{7E5F356C-18DA-D9D6-A9A3-6F03278C3DE8}"/>
+                <a16:creationId xmlns:a16="http://schemas.microsoft.com/office/drawing/2014/main" id="{067A68C1-74C7-C2BE-030C-11B497B52904}"/>
               </a:ext>
             </a:extLst>
           </p:cNvPr>
@@ -1131,7 +1131,7 @@
           <a:bodyPr/>
           <a:lstStyle/>
           <a:p>
-            <a:fld id="{72A87439-892F-4355-83A1-4FFACD8DA8AC}" type="datetimeFigureOut">
+            <a:fld id="{CA2BE180-1E12-47F1-89AA-7B64A66BA93D}" type="datetimeFigureOut">
               <a:rPr lang="zh-CN" altLang="en-US" smtClean="0"/>
               <a:t>2024/3/10</a:t>
             </a:fld>
@@ -1144,7 +1144,7 @@
           <p:cNvPr id="5" name="页脚占位符 4">
             <a:extLst>
               <a:ext uri="{FF2B5EF4-FFF2-40B4-BE49-F238E27FC236}">
-                <a16:creationId xmlns:a16="http://schemas.microsoft.com/office/drawing/2014/main" id="{01E8D980-8E2E-46BB-0014-8496299ADD2D}"/>
+                <a16:creationId xmlns:a16="http://schemas.microsoft.com/office/drawing/2014/main" id="{8D5E0DCA-EA34-FBF3-0010-9129A8420276}"/>
               </a:ext>
             </a:extLst>
           </p:cNvPr>
@@ -1169,7 +1169,7 @@
           <p:cNvPr id="6" name="灯片编号占位符 5">
             <a:extLst>
               <a:ext uri="{FF2B5EF4-FFF2-40B4-BE49-F238E27FC236}">
-                <a16:creationId xmlns:a16="http://schemas.microsoft.com/office/drawing/2014/main" id="{71592414-BFCD-E2C2-3B57-CD4E86D507CA}"/>
+                <a16:creationId xmlns:a16="http://schemas.microsoft.com/office/drawing/2014/main" id="{EA7147F6-B20D-47C5-A654-0CF116783580}"/>
               </a:ext>
             </a:extLst>
           </p:cNvPr>
@@ -1185,7 +1185,7 @@
           <a:bodyPr/>
           <a:lstStyle/>
           <a:p>
-            <a:fld id="{3C7E9C0B-0441-4C32-8D1B-CA29305F53EE}" type="slidenum">
+            <a:fld id="{02FA2452-18CC-4BE7-A54B-EAF0082CE116}" type="slidenum">
               <a:rPr lang="zh-CN" altLang="en-US" smtClean="0"/>
               <a:t>‹#›</a:t>
             </a:fld>
@@ -1196,7 +1196,7 @@
     </p:spTree>
     <p:extLst>
       <p:ext uri="{BB962C8B-B14F-4D97-AF65-F5344CB8AC3E}">
-        <p14:creationId xmlns:p14="http://schemas.microsoft.com/office/powerpoint/2010/main" val="485374313"/>
+        <p14:creationId xmlns:p14="http://schemas.microsoft.com/office/powerpoint/2010/main" val="3770083172"/>
       </p:ext>
     </p:extLst>
   </p:cSld>
@@ -1228,7 +1228,7 @@
           <p:cNvPr id="2" name="标题 1">
             <a:extLst>
               <a:ext uri="{FF2B5EF4-FFF2-40B4-BE49-F238E27FC236}">
-                <a16:creationId xmlns:a16="http://schemas.microsoft.com/office/drawing/2014/main" id="{B7DB7892-C3C4-1F9D-31AF-FD3BDBD43C64}"/>
+                <a16:creationId xmlns:a16="http://schemas.microsoft.com/office/drawing/2014/main" id="{63787D36-ABC3-7D76-B063-190B888C14AD}"/>
               </a:ext>
             </a:extLst>
           </p:cNvPr>
@@ -1256,7 +1256,7 @@
           <p:cNvPr id="3" name="内容占位符 2">
             <a:extLst>
               <a:ext uri="{FF2B5EF4-FFF2-40B4-BE49-F238E27FC236}">
-                <a16:creationId xmlns:a16="http://schemas.microsoft.com/office/drawing/2014/main" id="{7E6E1DF5-2E58-3909-9D75-F5A570358CDA}"/>
+                <a16:creationId xmlns:a16="http://schemas.microsoft.com/office/drawing/2014/main" id="{68E458C0-B51F-958D-EAA8-1042AD66F5DE}"/>
               </a:ext>
             </a:extLst>
           </p:cNvPr>
@@ -1318,7 +1318,7 @@
           <p:cNvPr id="4" name="内容占位符 3">
             <a:extLst>
               <a:ext uri="{FF2B5EF4-FFF2-40B4-BE49-F238E27FC236}">
-                <a16:creationId xmlns:a16="http://schemas.microsoft.com/office/drawing/2014/main" id="{7A6F9088-5B9C-8DFA-89DD-C4767C3DF175}"/>
+                <a16:creationId xmlns:a16="http://schemas.microsoft.com/office/drawing/2014/main" id="{6DD35B99-A272-45A9-9CEF-5F9BF5F71702}"/>
               </a:ext>
             </a:extLst>
           </p:cNvPr>
@@ -1380,7 +1380,7 @@
           <p:cNvPr id="5" name="日期占位符 4">
             <a:extLst>
               <a:ext uri="{FF2B5EF4-FFF2-40B4-BE49-F238E27FC236}">
-                <a16:creationId xmlns:a16="http://schemas.microsoft.com/office/drawing/2014/main" id="{599B898E-3FD0-430C-9D48-BF61E2345A92}"/>
+                <a16:creationId xmlns:a16="http://schemas.microsoft.com/office/drawing/2014/main" id="{B5432E55-48BF-1A11-BC45-18D46FD0ED21}"/>
               </a:ext>
             </a:extLst>
           </p:cNvPr>
@@ -1396,7 +1396,7 @@
           <a:bodyPr/>
           <a:lstStyle/>
           <a:p>
-            <a:fld id="{72A87439-892F-4355-83A1-4FFACD8DA8AC}" type="datetimeFigureOut">
+            <a:fld id="{CA2BE180-1E12-47F1-89AA-7B64A66BA93D}" type="datetimeFigureOut">
               <a:rPr lang="zh-CN" altLang="en-US" smtClean="0"/>
               <a:t>2024/3/10</a:t>
             </a:fld>
@@ -1409,7 +1409,7 @@
           <p:cNvPr id="6" name="页脚占位符 5">
             <a:extLst>
               <a:ext uri="{FF2B5EF4-FFF2-40B4-BE49-F238E27FC236}">
-                <a16:creationId xmlns:a16="http://schemas.microsoft.com/office/drawing/2014/main" id="{BCF6444D-6E27-8466-7026-350F26A79E94}"/>
+                <a16:creationId xmlns:a16="http://schemas.microsoft.com/office/drawing/2014/main" id="{AD754AC2-2B5B-D2F6-4C1F-626FA206A286}"/>
               </a:ext>
             </a:extLst>
           </p:cNvPr>
@@ -1434,7 +1434,7 @@
           <p:cNvPr id="7" name="灯片编号占位符 6">
             <a:extLst>
               <a:ext uri="{FF2B5EF4-FFF2-40B4-BE49-F238E27FC236}">
-                <a16:creationId xmlns:a16="http://schemas.microsoft.com/office/drawing/2014/main" id="{9803C593-80D5-B9D9-3D85-318FEBEA7FD2}"/>
+                <a16:creationId xmlns:a16="http://schemas.microsoft.com/office/drawing/2014/main" id="{EEDA3DB6-7298-338B-69D2-FD4901C86726}"/>
               </a:ext>
             </a:extLst>
           </p:cNvPr>
@@ -1450,7 +1450,7 @@
           <a:bodyPr/>
           <a:lstStyle/>
           <a:p>
-            <a:fld id="{3C7E9C0B-0441-4C32-8D1B-CA29305F53EE}" type="slidenum">
+            <a:fld id="{02FA2452-18CC-4BE7-A54B-EAF0082CE116}" type="slidenum">
               <a:rPr lang="zh-CN" altLang="en-US" smtClean="0"/>
               <a:t>‹#›</a:t>
             </a:fld>
@@ -1461,7 +1461,7 @@
     </p:spTree>
     <p:extLst>
       <p:ext uri="{BB962C8B-B14F-4D97-AF65-F5344CB8AC3E}">
-        <p14:creationId xmlns:p14="http://schemas.microsoft.com/office/powerpoint/2010/main" val="181457456"/>
+        <p14:creationId xmlns:p14="http://schemas.microsoft.com/office/powerpoint/2010/main" val="440034448"/>
       </p:ext>
     </p:extLst>
   </p:cSld>
@@ -1493,7 +1493,7 @@
           <p:cNvPr id="2" name="标题 1">
             <a:extLst>
               <a:ext uri="{FF2B5EF4-FFF2-40B4-BE49-F238E27FC236}">
-                <a16:creationId xmlns:a16="http://schemas.microsoft.com/office/drawing/2014/main" id="{8624E8DD-9384-DCD5-054D-5EF9BAEB3EC1}"/>
+                <a16:creationId xmlns:a16="http://schemas.microsoft.com/office/drawing/2014/main" id="{76B95B20-9243-5AB0-C35E-7DD3089D5DDA}"/>
               </a:ext>
             </a:extLst>
           </p:cNvPr>
@@ -1526,7 +1526,7 @@
           <p:cNvPr id="3" name="文本占位符 2">
             <a:extLst>
               <a:ext uri="{FF2B5EF4-FFF2-40B4-BE49-F238E27FC236}">
-                <a16:creationId xmlns:a16="http://schemas.microsoft.com/office/drawing/2014/main" id="{2BF91B02-2979-AE41-35D0-329D087788F2}"/>
+                <a16:creationId xmlns:a16="http://schemas.microsoft.com/office/drawing/2014/main" id="{41CA1B4F-C7E6-F7BC-EA5A-125BFC924781}"/>
               </a:ext>
             </a:extLst>
           </p:cNvPr>
@@ -1597,7 +1597,7 @@
           <p:cNvPr id="4" name="内容占位符 3">
             <a:extLst>
               <a:ext uri="{FF2B5EF4-FFF2-40B4-BE49-F238E27FC236}">
-                <a16:creationId xmlns:a16="http://schemas.microsoft.com/office/drawing/2014/main" id="{4B9DC855-09FF-8FCE-F3EC-633C56361362}"/>
+                <a16:creationId xmlns:a16="http://schemas.microsoft.com/office/drawing/2014/main" id="{0A3B0378-EB64-F108-8285-736A04136F35}"/>
               </a:ext>
             </a:extLst>
           </p:cNvPr>
@@ -1659,7 +1659,7 @@
           <p:cNvPr id="5" name="文本占位符 4">
             <a:extLst>
               <a:ext uri="{FF2B5EF4-FFF2-40B4-BE49-F238E27FC236}">
-                <a16:creationId xmlns:a16="http://schemas.microsoft.com/office/drawing/2014/main" id="{CF7482F2-C7E4-D8EA-FEEB-439C03734D34}"/>
+                <a16:creationId xmlns:a16="http://schemas.microsoft.com/office/drawing/2014/main" id="{6286AF86-136F-F5D3-23B2-C1717671D3A1}"/>
               </a:ext>
             </a:extLst>
           </p:cNvPr>
@@ -1730,7 +1730,7 @@
           <p:cNvPr id="6" name="内容占位符 5">
             <a:extLst>
               <a:ext uri="{FF2B5EF4-FFF2-40B4-BE49-F238E27FC236}">
-                <a16:creationId xmlns:a16="http://schemas.microsoft.com/office/drawing/2014/main" id="{6C00E6F1-6684-BA4E-8AC2-78C511340314}"/>
+                <a16:creationId xmlns:a16="http://schemas.microsoft.com/office/drawing/2014/main" id="{E58B46F2-0EBA-AE19-6860-A2D08D60B00A}"/>
               </a:ext>
             </a:extLst>
           </p:cNvPr>
@@ -1792,7 +1792,7 @@
           <p:cNvPr id="7" name="日期占位符 6">
             <a:extLst>
               <a:ext uri="{FF2B5EF4-FFF2-40B4-BE49-F238E27FC236}">
-                <a16:creationId xmlns:a16="http://schemas.microsoft.com/office/drawing/2014/main" id="{4FA3AA10-397D-E795-CD02-4F91FB543B6B}"/>
+                <a16:creationId xmlns:a16="http://schemas.microsoft.com/office/drawing/2014/main" id="{6FEAC334-9291-ACF6-2980-D3BAEE344DB7}"/>
               </a:ext>
             </a:extLst>
           </p:cNvPr>
@@ -1808,7 +1808,7 @@
           <a:bodyPr/>
           <a:lstStyle/>
           <a:p>
-            <a:fld id="{72A87439-892F-4355-83A1-4FFACD8DA8AC}" type="datetimeFigureOut">
+            <a:fld id="{CA2BE180-1E12-47F1-89AA-7B64A66BA93D}" type="datetimeFigureOut">
               <a:rPr lang="zh-CN" altLang="en-US" smtClean="0"/>
               <a:t>2024/3/10</a:t>
             </a:fld>
@@ -1821,7 +1821,7 @@
           <p:cNvPr id="8" name="页脚占位符 7">
             <a:extLst>
               <a:ext uri="{FF2B5EF4-FFF2-40B4-BE49-F238E27FC236}">
-                <a16:creationId xmlns:a16="http://schemas.microsoft.com/office/drawing/2014/main" id="{2F72573F-85C5-B264-D8B9-777551380422}"/>
+                <a16:creationId xmlns:a16="http://schemas.microsoft.com/office/drawing/2014/main" id="{9A80C056-DC6B-352A-C015-858EED9C9014}"/>
               </a:ext>
             </a:extLst>
           </p:cNvPr>
@@ -1846,7 +1846,7 @@
           <p:cNvPr id="9" name="灯片编号占位符 8">
             <a:extLst>
               <a:ext uri="{FF2B5EF4-FFF2-40B4-BE49-F238E27FC236}">
-                <a16:creationId xmlns:a16="http://schemas.microsoft.com/office/drawing/2014/main" id="{AD540E6C-4857-6694-087C-EECCDF8932C1}"/>
+                <a16:creationId xmlns:a16="http://schemas.microsoft.com/office/drawing/2014/main" id="{F05D7186-0FC1-37AD-CCEC-58C6CF3881A1}"/>
               </a:ext>
             </a:extLst>
           </p:cNvPr>
@@ -1862,7 +1862,7 @@
           <a:bodyPr/>
           <a:lstStyle/>
           <a:p>
-            <a:fld id="{3C7E9C0B-0441-4C32-8D1B-CA29305F53EE}" type="slidenum">
+            <a:fld id="{02FA2452-18CC-4BE7-A54B-EAF0082CE116}" type="slidenum">
               <a:rPr lang="zh-CN" altLang="en-US" smtClean="0"/>
               <a:t>‹#›</a:t>
             </a:fld>
@@ -1873,7 +1873,7 @@
     </p:spTree>
     <p:extLst>
       <p:ext uri="{BB962C8B-B14F-4D97-AF65-F5344CB8AC3E}">
-        <p14:creationId xmlns:p14="http://schemas.microsoft.com/office/powerpoint/2010/main" val="449395002"/>
+        <p14:creationId xmlns:p14="http://schemas.microsoft.com/office/powerpoint/2010/main" val="1639652533"/>
       </p:ext>
     </p:extLst>
   </p:cSld>
@@ -1905,7 +1905,7 @@
           <p:cNvPr id="2" name="标题 1">
             <a:extLst>
               <a:ext uri="{FF2B5EF4-FFF2-40B4-BE49-F238E27FC236}">
-                <a16:creationId xmlns:a16="http://schemas.microsoft.com/office/drawing/2014/main" id="{423303FF-A4B5-540A-0FA7-DEF9CA6EDFB7}"/>
+                <a16:creationId xmlns:a16="http://schemas.microsoft.com/office/drawing/2014/main" id="{A3603BFC-C78A-3497-C066-EE435A0FC4CD}"/>
               </a:ext>
             </a:extLst>
           </p:cNvPr>
@@ -1933,7 +1933,7 @@
           <p:cNvPr id="3" name="日期占位符 2">
             <a:extLst>
               <a:ext uri="{FF2B5EF4-FFF2-40B4-BE49-F238E27FC236}">
-                <a16:creationId xmlns:a16="http://schemas.microsoft.com/office/drawing/2014/main" id="{002EDF7C-4CA7-8571-173D-4010A8095FDC}"/>
+                <a16:creationId xmlns:a16="http://schemas.microsoft.com/office/drawing/2014/main" id="{8467D0E5-35FC-3D85-DF33-9092007E409C}"/>
               </a:ext>
             </a:extLst>
           </p:cNvPr>
@@ -1949,7 +1949,7 @@
           <a:bodyPr/>
           <a:lstStyle/>
           <a:p>
-            <a:fld id="{72A87439-892F-4355-83A1-4FFACD8DA8AC}" type="datetimeFigureOut">
+            <a:fld id="{CA2BE180-1E12-47F1-89AA-7B64A66BA93D}" type="datetimeFigureOut">
               <a:rPr lang="zh-CN" altLang="en-US" smtClean="0"/>
               <a:t>2024/3/10</a:t>
             </a:fld>
@@ -1962,7 +1962,7 @@
           <p:cNvPr id="4" name="页脚占位符 3">
             <a:extLst>
               <a:ext uri="{FF2B5EF4-FFF2-40B4-BE49-F238E27FC236}">
-                <a16:creationId xmlns:a16="http://schemas.microsoft.com/office/drawing/2014/main" id="{445FA505-9855-179E-7A25-32A4621646F3}"/>
+                <a16:creationId xmlns:a16="http://schemas.microsoft.com/office/drawing/2014/main" id="{9F8D50DF-E884-D475-5CA2-50324E808BB0}"/>
               </a:ext>
             </a:extLst>
           </p:cNvPr>
@@ -1987,7 +1987,7 @@
           <p:cNvPr id="5" name="灯片编号占位符 4">
             <a:extLst>
               <a:ext uri="{FF2B5EF4-FFF2-40B4-BE49-F238E27FC236}">
-                <a16:creationId xmlns:a16="http://schemas.microsoft.com/office/drawing/2014/main" id="{DDFEB1E1-90ED-EB2C-44E9-47003278C74C}"/>
+                <a16:creationId xmlns:a16="http://schemas.microsoft.com/office/drawing/2014/main" id="{F11EE42D-9F22-2355-8505-2D88B29672B9}"/>
               </a:ext>
             </a:extLst>
           </p:cNvPr>
@@ -2003,7 +2003,7 @@
           <a:bodyPr/>
           <a:lstStyle/>
           <a:p>
-            <a:fld id="{3C7E9C0B-0441-4C32-8D1B-CA29305F53EE}" type="slidenum">
+            <a:fld id="{02FA2452-18CC-4BE7-A54B-EAF0082CE116}" type="slidenum">
               <a:rPr lang="zh-CN" altLang="en-US" smtClean="0"/>
               <a:t>‹#›</a:t>
             </a:fld>
@@ -2014,7 +2014,7 @@
     </p:spTree>
     <p:extLst>
       <p:ext uri="{BB962C8B-B14F-4D97-AF65-F5344CB8AC3E}">
-        <p14:creationId xmlns:p14="http://schemas.microsoft.com/office/powerpoint/2010/main" val="3220980222"/>
+        <p14:creationId xmlns:p14="http://schemas.microsoft.com/office/powerpoint/2010/main" val="3803657413"/>
       </p:ext>
     </p:extLst>
   </p:cSld>
@@ -2046,7 +2046,7 @@
           <p:cNvPr id="2" name="日期占位符 1">
             <a:extLst>
               <a:ext uri="{FF2B5EF4-FFF2-40B4-BE49-F238E27FC236}">
-                <a16:creationId xmlns:a16="http://schemas.microsoft.com/office/drawing/2014/main" id="{F1F51E4D-0596-E314-DA65-8849519EB98D}"/>
+                <a16:creationId xmlns:a16="http://schemas.microsoft.com/office/drawing/2014/main" id="{B4B2147E-EB34-6D5E-08AC-9813BCBFF0DC}"/>
               </a:ext>
             </a:extLst>
           </p:cNvPr>
@@ -2062,7 +2062,7 @@
           <a:bodyPr/>
           <a:lstStyle/>
           <a:p>
-            <a:fld id="{72A87439-892F-4355-83A1-4FFACD8DA8AC}" type="datetimeFigureOut">
+            <a:fld id="{CA2BE180-1E12-47F1-89AA-7B64A66BA93D}" type="datetimeFigureOut">
               <a:rPr lang="zh-CN" altLang="en-US" smtClean="0"/>
               <a:t>2024/3/10</a:t>
             </a:fld>
@@ -2075,7 +2075,7 @@
           <p:cNvPr id="3" name="页脚占位符 2">
             <a:extLst>
               <a:ext uri="{FF2B5EF4-FFF2-40B4-BE49-F238E27FC236}">
-                <a16:creationId xmlns:a16="http://schemas.microsoft.com/office/drawing/2014/main" id="{576FD1FA-09F1-D82F-1DC8-AB5BAA9834A2}"/>
+                <a16:creationId xmlns:a16="http://schemas.microsoft.com/office/drawing/2014/main" id="{5D86FFB7-94CF-4DAE-5E59-80FB3A03BEE8}"/>
               </a:ext>
             </a:extLst>
           </p:cNvPr>
@@ -2100,7 +2100,7 @@
           <p:cNvPr id="4" name="灯片编号占位符 3">
             <a:extLst>
               <a:ext uri="{FF2B5EF4-FFF2-40B4-BE49-F238E27FC236}">
-                <a16:creationId xmlns:a16="http://schemas.microsoft.com/office/drawing/2014/main" id="{5C087BD4-E047-CDD7-E742-2E6D88B9ACE6}"/>
+                <a16:creationId xmlns:a16="http://schemas.microsoft.com/office/drawing/2014/main" id="{14A66E94-CB2F-3CFD-364C-158C4E6A483F}"/>
               </a:ext>
             </a:extLst>
           </p:cNvPr>
@@ -2116,7 +2116,7 @@
           <a:bodyPr/>
           <a:lstStyle/>
           <a:p>
-            <a:fld id="{3C7E9C0B-0441-4C32-8D1B-CA29305F53EE}" type="slidenum">
+            <a:fld id="{02FA2452-18CC-4BE7-A54B-EAF0082CE116}" type="slidenum">
               <a:rPr lang="zh-CN" altLang="en-US" smtClean="0"/>
               <a:t>‹#›</a:t>
             </a:fld>
@@ -2127,7 +2127,7 @@
     </p:spTree>
     <p:extLst>
       <p:ext uri="{BB962C8B-B14F-4D97-AF65-F5344CB8AC3E}">
-        <p14:creationId xmlns:p14="http://schemas.microsoft.com/office/powerpoint/2010/main" val="2861303203"/>
+        <p14:creationId xmlns:p14="http://schemas.microsoft.com/office/powerpoint/2010/main" val="1360607322"/>
       </p:ext>
     </p:extLst>
   </p:cSld>
@@ -2159,7 +2159,7 @@
           <p:cNvPr id="2" name="标题 1">
             <a:extLst>
               <a:ext uri="{FF2B5EF4-FFF2-40B4-BE49-F238E27FC236}">
-                <a16:creationId xmlns:a16="http://schemas.microsoft.com/office/drawing/2014/main" id="{B72B3BDF-3E33-7B3A-F898-D24C44BD65CA}"/>
+                <a16:creationId xmlns:a16="http://schemas.microsoft.com/office/drawing/2014/main" id="{D47B0776-1BC6-DF9A-0EBB-9A2C8A96B8DA}"/>
               </a:ext>
             </a:extLst>
           </p:cNvPr>
@@ -2196,7 +2196,7 @@
           <p:cNvPr id="3" name="内容占位符 2">
             <a:extLst>
               <a:ext uri="{FF2B5EF4-FFF2-40B4-BE49-F238E27FC236}">
-                <a16:creationId xmlns:a16="http://schemas.microsoft.com/office/drawing/2014/main" id="{141F1595-2E9F-36F4-2F64-A19EEAD8FBB1}"/>
+                <a16:creationId xmlns:a16="http://schemas.microsoft.com/office/drawing/2014/main" id="{343D541A-7806-E551-A29F-DDE781998694}"/>
               </a:ext>
             </a:extLst>
           </p:cNvPr>
@@ -2286,7 +2286,7 @@
           <p:cNvPr id="4" name="文本占位符 3">
             <a:extLst>
               <a:ext uri="{FF2B5EF4-FFF2-40B4-BE49-F238E27FC236}">
-                <a16:creationId xmlns:a16="http://schemas.microsoft.com/office/drawing/2014/main" id="{B97414E8-0314-0F3E-2BD7-06D0D2CB908B}"/>
+                <a16:creationId xmlns:a16="http://schemas.microsoft.com/office/drawing/2014/main" id="{0EBD7308-1924-5DC5-7824-709AA6551D3C}"/>
               </a:ext>
             </a:extLst>
           </p:cNvPr>
@@ -2357,7 +2357,7 @@
           <p:cNvPr id="5" name="日期占位符 4">
             <a:extLst>
               <a:ext uri="{FF2B5EF4-FFF2-40B4-BE49-F238E27FC236}">
-                <a16:creationId xmlns:a16="http://schemas.microsoft.com/office/drawing/2014/main" id="{AF1E501D-7EF8-D08C-B2FB-BC9A6F130ED7}"/>
+                <a16:creationId xmlns:a16="http://schemas.microsoft.com/office/drawing/2014/main" id="{AA8ED71B-E491-BF2F-B84B-82D0C471A00E}"/>
               </a:ext>
             </a:extLst>
           </p:cNvPr>
@@ -2373,7 +2373,7 @@
           <a:bodyPr/>
           <a:lstStyle/>
           <a:p>
-            <a:fld id="{72A87439-892F-4355-83A1-4FFACD8DA8AC}" type="datetimeFigureOut">
+            <a:fld id="{CA2BE180-1E12-47F1-89AA-7B64A66BA93D}" type="datetimeFigureOut">
               <a:rPr lang="zh-CN" altLang="en-US" smtClean="0"/>
               <a:t>2024/3/10</a:t>
             </a:fld>
@@ -2386,7 +2386,7 @@
           <p:cNvPr id="6" name="页脚占位符 5">
             <a:extLst>
               <a:ext uri="{FF2B5EF4-FFF2-40B4-BE49-F238E27FC236}">
-                <a16:creationId xmlns:a16="http://schemas.microsoft.com/office/drawing/2014/main" id="{02B23902-7BFA-E306-E1B0-14D339510363}"/>
+                <a16:creationId xmlns:a16="http://schemas.microsoft.com/office/drawing/2014/main" id="{AB8E542B-0B76-4FEB-8FA0-73CD1E15A214}"/>
               </a:ext>
             </a:extLst>
           </p:cNvPr>
@@ -2411,7 +2411,7 @@
           <p:cNvPr id="7" name="灯片编号占位符 6">
             <a:extLst>
               <a:ext uri="{FF2B5EF4-FFF2-40B4-BE49-F238E27FC236}">
-                <a16:creationId xmlns:a16="http://schemas.microsoft.com/office/drawing/2014/main" id="{109F3A11-6622-DFF0-D149-67C3A2E7CEF5}"/>
+                <a16:creationId xmlns:a16="http://schemas.microsoft.com/office/drawing/2014/main" id="{750BE86E-0887-D36B-9977-59EEE34DB607}"/>
               </a:ext>
             </a:extLst>
           </p:cNvPr>
@@ -2427,7 +2427,7 @@
           <a:bodyPr/>
           <a:lstStyle/>
           <a:p>
-            <a:fld id="{3C7E9C0B-0441-4C32-8D1B-CA29305F53EE}" type="slidenum">
+            <a:fld id="{02FA2452-18CC-4BE7-A54B-EAF0082CE116}" type="slidenum">
               <a:rPr lang="zh-CN" altLang="en-US" smtClean="0"/>
               <a:t>‹#›</a:t>
             </a:fld>
@@ -2438,7 +2438,7 @@
     </p:spTree>
     <p:extLst>
       <p:ext uri="{BB962C8B-B14F-4D97-AF65-F5344CB8AC3E}">
-        <p14:creationId xmlns:p14="http://schemas.microsoft.com/office/powerpoint/2010/main" val="548339542"/>
+        <p14:creationId xmlns:p14="http://schemas.microsoft.com/office/powerpoint/2010/main" val="2027367097"/>
       </p:ext>
     </p:extLst>
   </p:cSld>
@@ -2470,7 +2470,7 @@
           <p:cNvPr id="2" name="标题 1">
             <a:extLst>
               <a:ext uri="{FF2B5EF4-FFF2-40B4-BE49-F238E27FC236}">
-                <a16:creationId xmlns:a16="http://schemas.microsoft.com/office/drawing/2014/main" id="{96C6E43E-9A0F-9C4C-C535-DC8413516793}"/>
+                <a16:creationId xmlns:a16="http://schemas.microsoft.com/office/drawing/2014/main" id="{C6D887C6-93FE-B96F-41BD-326EF0F01999}"/>
               </a:ext>
             </a:extLst>
           </p:cNvPr>
@@ -2507,7 +2507,7 @@
           <p:cNvPr id="3" name="图片占位符 2">
             <a:extLst>
               <a:ext uri="{FF2B5EF4-FFF2-40B4-BE49-F238E27FC236}">
-                <a16:creationId xmlns:a16="http://schemas.microsoft.com/office/drawing/2014/main" id="{A3A8EE18-2A38-2EC8-45F5-7AC000DAA9D5}"/>
+                <a16:creationId xmlns:a16="http://schemas.microsoft.com/office/drawing/2014/main" id="{658FD805-0997-1289-F011-1490CD02E762}"/>
               </a:ext>
             </a:extLst>
           </p:cNvPr>
@@ -2574,7 +2574,7 @@
           <p:cNvPr id="4" name="文本占位符 3">
             <a:extLst>
               <a:ext uri="{FF2B5EF4-FFF2-40B4-BE49-F238E27FC236}">
-                <a16:creationId xmlns:a16="http://schemas.microsoft.com/office/drawing/2014/main" id="{F8D31732-03E2-7FC7-B8DC-435BDB97814F}"/>
+                <a16:creationId xmlns:a16="http://schemas.microsoft.com/office/drawing/2014/main" id="{2129EFE0-3774-46D8-2043-3FBA513EF674}"/>
               </a:ext>
             </a:extLst>
           </p:cNvPr>
@@ -2645,7 +2645,7 @@
           <p:cNvPr id="5" name="日期占位符 4">
             <a:extLst>
               <a:ext uri="{FF2B5EF4-FFF2-40B4-BE49-F238E27FC236}">
-                <a16:creationId xmlns:a16="http://schemas.microsoft.com/office/drawing/2014/main" id="{0E665398-C455-AA9D-83C5-7C40E9C2933B}"/>
+                <a16:creationId xmlns:a16="http://schemas.microsoft.com/office/drawing/2014/main" id="{7548833B-1A83-C0A7-CE4A-225B0B98EC53}"/>
               </a:ext>
             </a:extLst>
           </p:cNvPr>
@@ -2661,7 +2661,7 @@
           <a:bodyPr/>
           <a:lstStyle/>
           <a:p>
-            <a:fld id="{72A87439-892F-4355-83A1-4FFACD8DA8AC}" type="datetimeFigureOut">
+            <a:fld id="{CA2BE180-1E12-47F1-89AA-7B64A66BA93D}" type="datetimeFigureOut">
               <a:rPr lang="zh-CN" altLang="en-US" smtClean="0"/>
               <a:t>2024/3/10</a:t>
             </a:fld>
@@ -2674,7 +2674,7 @@
           <p:cNvPr id="6" name="页脚占位符 5">
             <a:extLst>
               <a:ext uri="{FF2B5EF4-FFF2-40B4-BE49-F238E27FC236}">
-                <a16:creationId xmlns:a16="http://schemas.microsoft.com/office/drawing/2014/main" id="{93D038F4-16D1-A15D-6CEF-706B1CAEF2B0}"/>
+                <a16:creationId xmlns:a16="http://schemas.microsoft.com/office/drawing/2014/main" id="{EB7FD654-AFF7-1EF3-1447-7C2B3A19E5C1}"/>
               </a:ext>
             </a:extLst>
           </p:cNvPr>
@@ -2699,7 +2699,7 @@
           <p:cNvPr id="7" name="灯片编号占位符 6">
             <a:extLst>
               <a:ext uri="{FF2B5EF4-FFF2-40B4-BE49-F238E27FC236}">
-                <a16:creationId xmlns:a16="http://schemas.microsoft.com/office/drawing/2014/main" id="{74A57664-FE05-A67D-FA3C-04348890F9FD}"/>
+                <a16:creationId xmlns:a16="http://schemas.microsoft.com/office/drawing/2014/main" id="{8E21694A-4444-669D-2BD5-4B0508ECC114}"/>
               </a:ext>
             </a:extLst>
           </p:cNvPr>
@@ -2715,7 +2715,7 @@
           <a:bodyPr/>
           <a:lstStyle/>
           <a:p>
-            <a:fld id="{3C7E9C0B-0441-4C32-8D1B-CA29305F53EE}" type="slidenum">
+            <a:fld id="{02FA2452-18CC-4BE7-A54B-EAF0082CE116}" type="slidenum">
               <a:rPr lang="zh-CN" altLang="en-US" smtClean="0"/>
               <a:t>‹#›</a:t>
             </a:fld>
@@ -2726,7 +2726,7 @@
     </p:spTree>
     <p:extLst>
       <p:ext uri="{BB962C8B-B14F-4D97-AF65-F5344CB8AC3E}">
-        <p14:creationId xmlns:p14="http://schemas.microsoft.com/office/powerpoint/2010/main" val="30982072"/>
+        <p14:creationId xmlns:p14="http://schemas.microsoft.com/office/powerpoint/2010/main" val="4020812401"/>
       </p:ext>
     </p:extLst>
   </p:cSld>
@@ -2763,7 +2763,7 @@
           <p:cNvPr id="2" name="标题占位符 1">
             <a:extLst>
               <a:ext uri="{FF2B5EF4-FFF2-40B4-BE49-F238E27FC236}">
-                <a16:creationId xmlns:a16="http://schemas.microsoft.com/office/drawing/2014/main" id="{08238664-B6D9-3724-A958-9223A3BDBEC6}"/>
+                <a16:creationId xmlns:a16="http://schemas.microsoft.com/office/drawing/2014/main" id="{1F908DAA-4B4D-9E39-385A-49C8974B4254}"/>
               </a:ext>
             </a:extLst>
           </p:cNvPr>
@@ -2801,7 +2801,7 @@
           <p:cNvPr id="3" name="文本占位符 2">
             <a:extLst>
               <a:ext uri="{FF2B5EF4-FFF2-40B4-BE49-F238E27FC236}">
-                <a16:creationId xmlns:a16="http://schemas.microsoft.com/office/drawing/2014/main" id="{405BD102-F5DD-7696-DE58-F79CF99A121E}"/>
+                <a16:creationId xmlns:a16="http://schemas.microsoft.com/office/drawing/2014/main" id="{263673F3-3167-D725-4AE4-CECCB7284AF8}"/>
               </a:ext>
             </a:extLst>
           </p:cNvPr>
@@ -2868,7 +2868,7 @@
           <p:cNvPr id="4" name="日期占位符 3">
             <a:extLst>
               <a:ext uri="{FF2B5EF4-FFF2-40B4-BE49-F238E27FC236}">
-                <a16:creationId xmlns:a16="http://schemas.microsoft.com/office/drawing/2014/main" id="{322C8843-F884-74B8-0ECD-6440FD5A4D19}"/>
+                <a16:creationId xmlns:a16="http://schemas.microsoft.com/office/drawing/2014/main" id="{5B5353FA-5E71-E1EA-DD30-33B886C63CB3}"/>
               </a:ext>
             </a:extLst>
           </p:cNvPr>
@@ -2902,7 +2902,7 @@
             </a:lvl1pPr>
           </a:lstStyle>
           <a:p>
-            <a:fld id="{72A87439-892F-4355-83A1-4FFACD8DA8AC}" type="datetimeFigureOut">
+            <a:fld id="{CA2BE180-1E12-47F1-89AA-7B64A66BA93D}" type="datetimeFigureOut">
               <a:rPr lang="zh-CN" altLang="en-US" smtClean="0"/>
               <a:t>2024/3/10</a:t>
             </a:fld>
@@ -2915,7 +2915,7 @@
           <p:cNvPr id="5" name="页脚占位符 4">
             <a:extLst>
               <a:ext uri="{FF2B5EF4-FFF2-40B4-BE49-F238E27FC236}">
-                <a16:creationId xmlns:a16="http://schemas.microsoft.com/office/drawing/2014/main" id="{459D9FD3-0231-7BD5-79F9-5D7B5F5C4A30}"/>
+                <a16:creationId xmlns:a16="http://schemas.microsoft.com/office/drawing/2014/main" id="{C40AAB32-55D3-ADF4-8531-529D5E6A4C75}"/>
               </a:ext>
             </a:extLst>
           </p:cNvPr>
@@ -2958,7 +2958,7 @@
           <p:cNvPr id="6" name="灯片编号占位符 5">
             <a:extLst>
               <a:ext uri="{FF2B5EF4-FFF2-40B4-BE49-F238E27FC236}">
-                <a16:creationId xmlns:a16="http://schemas.microsoft.com/office/drawing/2014/main" id="{D09B0601-27B0-2B5E-3631-5DCE7AAA32D1}"/>
+                <a16:creationId xmlns:a16="http://schemas.microsoft.com/office/drawing/2014/main" id="{0664371A-0A3C-64B6-E543-3507B965E0A9}"/>
               </a:ext>
             </a:extLst>
           </p:cNvPr>
@@ -2992,7 +2992,7 @@
             </a:lvl1pPr>
           </a:lstStyle>
           <a:p>
-            <a:fld id="{3C7E9C0B-0441-4C32-8D1B-CA29305F53EE}" type="slidenum">
+            <a:fld id="{02FA2452-18CC-4BE7-A54B-EAF0082CE116}" type="slidenum">
               <a:rPr lang="zh-CN" altLang="en-US" smtClean="0"/>
               <a:t>‹#›</a:t>
             </a:fld>
@@ -3003,7 +3003,7 @@
     </p:spTree>
     <p:extLst>
       <p:ext uri="{BB962C8B-B14F-4D97-AF65-F5344CB8AC3E}">
-        <p14:creationId xmlns:p14="http://schemas.microsoft.com/office/powerpoint/2010/main" val="2945284805"/>
+        <p14:creationId xmlns:p14="http://schemas.microsoft.com/office/powerpoint/2010/main" val="3060919543"/>
       </p:ext>
     </p:extLst>
   </p:cSld>
